--- a/HTML5好程序员-Node.js-顺序调整.pptx
+++ b/HTML5好程序员-Node.js-顺序调整.pptx
@@ -260,7 +260,7 @@
           <a:p>
             <a:fld id="{0F9B84EA-7D68-4D60-9CB1-D50884785D1C}" type="datetimeFigureOut">
               <a:rPr lang="zh-CN" altLang="en-US" smtClean="0"/>
-              <a:t>2019/8/13</a:t>
+              <a:t>2019/8/19</a:t>
             </a:fld>
             <a:endParaRPr lang="zh-CN" altLang="en-US"/>
           </a:p>
@@ -425,7 +425,7 @@
           <a:p>
             <a:fld id="{6E76B063-8B96-D142-930D-9A3FE5E922E6}" type="datetimeFigureOut">
               <a:rPr kumimoji="1" lang="zh-CN" altLang="en-US" smtClean="0"/>
-              <a:t>2019/8/13</a:t>
+              <a:t>2019/8/19</a:t>
             </a:fld>
             <a:endParaRPr kumimoji="1" lang="zh-CN" altLang="en-US"/>
           </a:p>
@@ -732,7 +732,7 @@
           <a:p>
             <a:fld id="{82F288E0-7875-42C4-84C8-98DBBD3BF4D2}" type="datetimeFigureOut">
               <a:rPr lang="zh-CN" altLang="en-US" smtClean="0"/>
-              <a:t>2019/8/13</a:t>
+              <a:t>2019/8/19</a:t>
             </a:fld>
             <a:endParaRPr lang="zh-CN" altLang="en-US"/>
           </a:p>
@@ -975,7 +975,7 @@
           <a:p>
             <a:fld id="{82F288E0-7875-42C4-84C8-98DBBD3BF4D2}" type="datetimeFigureOut">
               <a:rPr lang="zh-CN" altLang="en-US" smtClean="0"/>
-              <a:t>2019/8/13</a:t>
+              <a:t>2019/8/19</a:t>
             </a:fld>
             <a:endParaRPr lang="zh-CN" altLang="en-US"/>
           </a:p>
@@ -1352,7 +1352,7 @@
           <a:p>
             <a:fld id="{82F288E0-7875-42C4-84C8-98DBBD3BF4D2}" type="datetimeFigureOut">
               <a:rPr lang="zh-CN" altLang="en-US" smtClean="0"/>
-              <a:t>2019/8/13</a:t>
+              <a:t>2019/8/19</a:t>
             </a:fld>
             <a:endParaRPr lang="zh-CN" altLang="en-US"/>
           </a:p>
@@ -1485,7 +1485,7 @@
           <a:p>
             <a:fld id="{82F288E0-7875-42C4-84C8-98DBBD3BF4D2}" type="datetimeFigureOut">
               <a:rPr lang="zh-CN" altLang="en-US" smtClean="0"/>
-              <a:t>2019/8/13</a:t>
+              <a:t>2019/8/19</a:t>
             </a:fld>
             <a:endParaRPr lang="zh-CN" altLang="en-US"/>
           </a:p>
@@ -1590,7 +1590,7 @@
           <a:p>
             <a:fld id="{82F288E0-7875-42C4-84C8-98DBBD3BF4D2}" type="datetimeFigureOut">
               <a:rPr lang="zh-CN" altLang="en-US" smtClean="0"/>
-              <a:t>2019/8/13</a:t>
+              <a:t>2019/8/19</a:t>
             </a:fld>
             <a:endParaRPr lang="zh-CN" altLang="en-US"/>
           </a:p>
@@ -1853,7 +1853,7 @@
           <a:p>
             <a:fld id="{82F288E0-7875-42C4-84C8-98DBBD3BF4D2}" type="datetimeFigureOut">
               <a:rPr lang="zh-CN" altLang="en-US" smtClean="0"/>
-              <a:t>2019/8/13</a:t>
+              <a:t>2019/8/19</a:t>
             </a:fld>
             <a:endParaRPr lang="zh-CN" altLang="en-US"/>
           </a:p>
@@ -2043,7 +2043,7 @@
           <a:p>
             <a:fld id="{82F288E0-7875-42C4-84C8-98DBBD3BF4D2}" type="datetimeFigureOut">
               <a:rPr lang="zh-CN" altLang="en-US" smtClean="0"/>
-              <a:t>2019/8/13</a:t>
+              <a:t>2019/8/19</a:t>
             </a:fld>
             <a:endParaRPr lang="zh-CN" altLang="en-US"/>
           </a:p>
@@ -2205,7 +2205,7 @@
           <a:p>
             <a:fld id="{82F288E0-7875-42C4-84C8-98DBBD3BF4D2}" type="datetimeFigureOut">
               <a:rPr lang="zh-CN" altLang="en-US" smtClean="0"/>
-              <a:t>2019/8/13</a:t>
+              <a:t>2019/8/19</a:t>
             </a:fld>
             <a:endParaRPr lang="zh-CN" altLang="en-US"/>
           </a:p>
@@ -10668,7 +10668,7 @@
       </p:sp>
       <p:pic>
         <p:nvPicPr>
-          <p:cNvPr id="2" name="图片 1"/>
+          <p:cNvPr id="5" name="图片 4"/>
           <p:cNvPicPr>
             <a:picLocks noChangeAspect="1"/>
           </p:cNvPicPr>
@@ -10832,7 +10832,7 @@
       </p:sp>
       <p:pic>
         <p:nvPicPr>
-          <p:cNvPr id="3" name="图片 2"/>
+          <p:cNvPr id="5" name="图片 4"/>
           <p:cNvPicPr>
             <a:picLocks noChangeAspect="1"/>
           </p:cNvPicPr>
@@ -11966,7 +11966,7 @@
       </p:sp>
       <p:pic>
         <p:nvPicPr>
-          <p:cNvPr id="2" name="图片 1"/>
+          <p:cNvPr id="5" name="图片 4"/>
           <p:cNvPicPr>
             <a:picLocks noChangeAspect="1"/>
           </p:cNvPicPr>
@@ -12035,7 +12035,7 @@
                                           </p:stCondLst>
                                         </p:cTn>
                                         <p:tgtEl>
-                                          <p:spTgt spid="2"/>
+                                          <p:spTgt spid="5"/>
                                         </p:tgtEl>
                                         <p:attrNameLst>
                                           <p:attrName>style.visibility</p:attrName>
@@ -12049,7 +12049,7 @@
                                       <p:cBhvr additive="base">
                                         <p:cTn id="7" dur="500" fill="hold"/>
                                         <p:tgtEl>
-                                          <p:spTgt spid="2"/>
+                                          <p:spTgt spid="5"/>
                                         </p:tgtEl>
                                         <p:attrNameLst>
                                           <p:attrName>ppt_x</p:attrName>
@@ -12072,7 +12072,7 @@
                                       <p:cBhvr additive="base">
                                         <p:cTn id="8" dur="500" fill="hold"/>
                                         <p:tgtEl>
-                                          <p:spTgt spid="2"/>
+                                          <p:spTgt spid="5"/>
                                         </p:tgtEl>
                                         <p:attrNameLst>
                                           <p:attrName>ppt_y</p:attrName>

--- a/HTML5好程序员-Node.js-顺序调整.pptx
+++ b/HTML5好程序员-Node.js-顺序调整.pptx
@@ -260,7 +260,7 @@
           <a:p>
             <a:fld id="{0F9B84EA-7D68-4D60-9CB1-D50884785D1C}" type="datetimeFigureOut">
               <a:rPr lang="zh-CN" altLang="en-US" smtClean="0"/>
-              <a:t>2019/8/19</a:t>
+              <a:t>2019/8/26</a:t>
             </a:fld>
             <a:endParaRPr lang="zh-CN" altLang="en-US"/>
           </a:p>
@@ -425,7 +425,7 @@
           <a:p>
             <a:fld id="{6E76B063-8B96-D142-930D-9A3FE5E922E6}" type="datetimeFigureOut">
               <a:rPr kumimoji="1" lang="zh-CN" altLang="en-US" smtClean="0"/>
-              <a:t>2019/8/19</a:t>
+              <a:t>2019/8/26</a:t>
             </a:fld>
             <a:endParaRPr kumimoji="1" lang="zh-CN" altLang="en-US"/>
           </a:p>
@@ -732,7 +732,7 @@
           <a:p>
             <a:fld id="{82F288E0-7875-42C4-84C8-98DBBD3BF4D2}" type="datetimeFigureOut">
               <a:rPr lang="zh-CN" altLang="en-US" smtClean="0"/>
-              <a:t>2019/8/19</a:t>
+              <a:t>2019/8/26</a:t>
             </a:fld>
             <a:endParaRPr lang="zh-CN" altLang="en-US"/>
           </a:p>
@@ -975,7 +975,7 @@
           <a:p>
             <a:fld id="{82F288E0-7875-42C4-84C8-98DBBD3BF4D2}" type="datetimeFigureOut">
               <a:rPr lang="zh-CN" altLang="en-US" smtClean="0"/>
-              <a:t>2019/8/19</a:t>
+              <a:t>2019/8/26</a:t>
             </a:fld>
             <a:endParaRPr lang="zh-CN" altLang="en-US"/>
           </a:p>
@@ -1352,7 +1352,7 @@
           <a:p>
             <a:fld id="{82F288E0-7875-42C4-84C8-98DBBD3BF4D2}" type="datetimeFigureOut">
               <a:rPr lang="zh-CN" altLang="en-US" smtClean="0"/>
-              <a:t>2019/8/19</a:t>
+              <a:t>2019/8/26</a:t>
             </a:fld>
             <a:endParaRPr lang="zh-CN" altLang="en-US"/>
           </a:p>
@@ -1485,7 +1485,7 @@
           <a:p>
             <a:fld id="{82F288E0-7875-42C4-84C8-98DBBD3BF4D2}" type="datetimeFigureOut">
               <a:rPr lang="zh-CN" altLang="en-US" smtClean="0"/>
-              <a:t>2019/8/19</a:t>
+              <a:t>2019/8/26</a:t>
             </a:fld>
             <a:endParaRPr lang="zh-CN" altLang="en-US"/>
           </a:p>
@@ -1590,7 +1590,7 @@
           <a:p>
             <a:fld id="{82F288E0-7875-42C4-84C8-98DBBD3BF4D2}" type="datetimeFigureOut">
               <a:rPr lang="zh-CN" altLang="en-US" smtClean="0"/>
-              <a:t>2019/8/19</a:t>
+              <a:t>2019/8/26</a:t>
             </a:fld>
             <a:endParaRPr lang="zh-CN" altLang="en-US"/>
           </a:p>
@@ -1853,7 +1853,7 @@
           <a:p>
             <a:fld id="{82F288E0-7875-42C4-84C8-98DBBD3BF4D2}" type="datetimeFigureOut">
               <a:rPr lang="zh-CN" altLang="en-US" smtClean="0"/>
-              <a:t>2019/8/19</a:t>
+              <a:t>2019/8/26</a:t>
             </a:fld>
             <a:endParaRPr lang="zh-CN" altLang="en-US"/>
           </a:p>
@@ -2043,7 +2043,7 @@
           <a:p>
             <a:fld id="{82F288E0-7875-42C4-84C8-98DBBD3BF4D2}" type="datetimeFigureOut">
               <a:rPr lang="zh-CN" altLang="en-US" smtClean="0"/>
-              <a:t>2019/8/19</a:t>
+              <a:t>2019/8/26</a:t>
             </a:fld>
             <a:endParaRPr lang="zh-CN" altLang="en-US"/>
           </a:p>
@@ -2205,7 +2205,7 @@
           <a:p>
             <a:fld id="{82F288E0-7875-42C4-84C8-98DBBD3BF4D2}" type="datetimeFigureOut">
               <a:rPr lang="zh-CN" altLang="en-US" smtClean="0"/>
-              <a:t>2019/8/19</a:t>
+              <a:t>2019/8/26</a:t>
             </a:fld>
             <a:endParaRPr lang="zh-CN" altLang="en-US"/>
           </a:p>
@@ -16483,12 +16483,28 @@
               <a:t>db.userInfo.find</a:t>
             </a:r>
             <a:r>
+              <a:rPr lang="zh-CN" altLang="en-US">
+                <a:latin typeface="Microsoft YaHei Light" charset="-122"/>
+                <a:ea typeface="Microsoft YaHei Light" charset="-122"/>
+                <a:cs typeface="Microsoft YaHei Light" charset="-122"/>
+              </a:rPr>
+              <a:t>(</a:t>
+            </a:r>
+            <a:r>
+              <a:rPr lang="zh-CN" altLang="en-US" smtClean="0">
+                <a:latin typeface="Microsoft YaHei Light" charset="-122"/>
+                <a:ea typeface="Microsoft YaHei Light" charset="-122"/>
+                <a:cs typeface="Microsoft YaHei Light" charset="-122"/>
+              </a:rPr>
+              <a:t>{$or: [</a:t>
+            </a:r>
+            <a:r>
               <a:rPr lang="zh-CN" altLang="en-US" dirty="0">
                 <a:latin typeface="Microsoft YaHei Light" charset="-122"/>
                 <a:ea typeface="Microsoft YaHei Light" charset="-122"/>
                 <a:cs typeface="Microsoft YaHei Light" charset="-122"/>
               </a:rPr>
-              <a:t>({$or: [{age: 22}, {age: 25}]})</a:t>
+              <a:t>{age: 22}, {age: 25}]})</a:t>
             </a:r>
             <a:r>
               <a:rPr lang="zh-CN" altLang="en-US" dirty="0" smtClean="0">
